--- a/Lecture_12.pptx
+++ b/Lecture_12.pptx
@@ -3579,11 +3579,7 @@
               <a:p>
                 <a:r>
                   <a:rPr lang="en-CA" dirty="0" smtClean="0"/>
-                  <a:t>Optimizing classification rate without considering the cost </a:t>
-                </a:r>
-                <a:r>
-                  <a:rPr lang="en-CA" dirty="0" smtClean="0"/>
-                  <a:t>of wrong decision can lead to strange results:</a:t>
+                  <a:t>Optimizing classification rate without considering the cost of wrong decision can lead to strange results:</a:t>
                 </a:r>
               </a:p>
               <a:p>
@@ -3603,15 +3599,15 @@
               <a:p>
                 <a:r>
                   <a:rPr lang="en-CA" dirty="0" smtClean="0"/>
-                  <a:t>However, what we’re </a:t>
-                </a:r>
-                <a:r>
-                  <a:rPr lang="en-CA" i="1" dirty="0" smtClean="0"/>
-                  <a:t>actually</a:t>
+                  <a:t>However, </a:t>
                 </a:r>
                 <a:r>
                   <a:rPr lang="en-CA" dirty="0" smtClean="0"/>
-                  <a:t> interested in is who DOESN’T pay back the loan </a:t>
+                  <a:t>we’re also interested in who </a:t>
+                </a:r>
+                <a:r>
+                  <a:rPr lang="en-CA" dirty="0" smtClean="0"/>
+                  <a:t>DOESN’T pay back the loan </a:t>
                 </a:r>
               </a:p>
               <a:p>
@@ -4470,7 +4466,7 @@
         </p:spPr>
         <p:txBody>
           <a:bodyPr>
-            <a:normAutofit lnSpcReduction="10000"/>
+            <a:normAutofit fontScale="92500" lnSpcReduction="10000"/>
           </a:bodyPr>
           <a:lstStyle/>
           <a:p>
@@ -4518,8 +4514,13 @@
           <a:p>
             <a:r>
               <a:rPr lang="en-CA" dirty="0" smtClean="0"/>
-              <a:t>In B), results from random predictor (dividing instances according to proportion)</a:t>
-            </a:r>
+              <a:t>In B), results from random predictor </a:t>
+            </a:r>
+            <a:r>
+              <a:rPr lang="en-CA" dirty="0" smtClean="0"/>
+              <a:t>(randomly picking same number of instances for each class as in A)</a:t>
+            </a:r>
+            <a:endParaRPr lang="en-CA" dirty="0" smtClean="0"/>
           </a:p>
           <a:p>
             <a:r>
@@ -4546,8 +4547,8 @@
         </p:blipFill>
         <p:spPr>
           <a:xfrm>
-            <a:off x="322984" y="1463675"/>
-            <a:ext cx="8355100" cy="2846243"/>
+            <a:off x="387923" y="1403581"/>
+            <a:ext cx="8165466" cy="2781642"/>
           </a:xfrm>
           <a:prstGeom prst="rect">
             <a:avLst/>
@@ -5012,43 +5013,20 @@
           <a:p>
             <a:r>
               <a:rPr lang="en-CA" dirty="0" smtClean="0"/>
-              <a:t>For this example, our predictor (A) achieved 140 </a:t>
-            </a:r>
+              <a:t>For this example, our predictor (A) achieved 140 successes (88+40+12), </a:t>
+            </a:r>
+          </a:p>
+          <a:p>
             <a:r>
               <a:rPr lang="en-CA" dirty="0" smtClean="0"/>
-              <a:t>successes (88+40+12), </a:t>
-            </a:r>
-            <a:endParaRPr lang="en-CA" dirty="0" smtClean="0"/>
+              <a:t>Random predictor achieved 82 successes (60+18+4)</a:t>
+            </a:r>
           </a:p>
           <a:p>
             <a:r>
               <a:rPr lang="en-CA" dirty="0" smtClean="0"/>
-              <a:t>Random predictor achieved 82 successes </a:t>
-            </a:r>
-            <a:r>
-              <a:rPr lang="en-CA" dirty="0" smtClean="0"/>
-              <a:t>(60+18+4)</a:t>
-            </a:r>
-            <a:endParaRPr lang="en-CA" dirty="0" smtClean="0"/>
-          </a:p>
-          <a:p>
-            <a:r>
-              <a:rPr lang="en-CA" dirty="0" smtClean="0"/>
-              <a:t>140-82 = 58 extra successes (above what we expect by chance) </a:t>
-            </a:r>
-            <a:r>
-              <a:rPr lang="en-CA" dirty="0" smtClean="0"/>
-              <a:t>out </a:t>
-            </a:r>
-            <a:r>
-              <a:rPr lang="en-CA" dirty="0" smtClean="0"/>
-              <a:t>of a possible total of 200-82=118, for a 49.2% Kappa statistic </a:t>
-            </a:r>
-            <a:r>
-              <a:rPr lang="en-CA" dirty="0" smtClean="0"/>
-              <a:t>(58/118)</a:t>
-            </a:r>
-            <a:endParaRPr lang="en-CA" dirty="0" smtClean="0"/>
+              <a:t>140-82 = 58 extra successes (above what we expect by chance) out of a possible total of 200-82=118, for a 49.2% Kappa statistic (58/118)</a:t>
+            </a:r>
           </a:p>
           <a:p>
             <a:r>
@@ -5515,7 +5493,7 @@
         </p:blipFill>
         <p:spPr>
           <a:xfrm>
-            <a:off x="166255" y="1176572"/>
+            <a:off x="166255" y="1190427"/>
             <a:ext cx="6899563" cy="2696711"/>
           </a:xfrm>
           <a:prstGeom prst="rect">
@@ -5979,29 +5957,13 @@
           <a:p>
             <a:r>
               <a:rPr lang="en-CA" dirty="0" smtClean="0"/>
-              <a:t>2) </a:t>
-            </a:r>
+              <a:t>2) Leave out instances of classes other than the one you want to enhance</a:t>
+            </a:r>
+          </a:p>
+          <a:p>
             <a:r>
               <a:rPr lang="en-CA" dirty="0" smtClean="0"/>
-              <a:t>Leave </a:t>
-            </a:r>
-            <a:r>
-              <a:rPr lang="en-CA" dirty="0" smtClean="0"/>
-              <a:t>out instances of classes other than the one you want to enhance</a:t>
-            </a:r>
-          </a:p>
-          <a:p>
-            <a:r>
-              <a:rPr lang="en-CA" dirty="0" smtClean="0"/>
-              <a:t>3) </a:t>
-            </a:r>
-            <a:r>
-              <a:rPr lang="en-CA" dirty="0" smtClean="0"/>
-              <a:t>Assign </a:t>
-            </a:r>
-            <a:r>
-              <a:rPr lang="en-CA" dirty="0" smtClean="0"/>
-              <a:t>weights to different classes</a:t>
+              <a:t>3) Assign weights to different classes</a:t>
             </a:r>
           </a:p>
         </p:txBody>
@@ -6720,15 +6682,7 @@
           <a:p>
             <a:r>
               <a:rPr lang="en-CA" dirty="0" smtClean="0"/>
-              <a:t>Suppose, using data mining we can identify a subset of 100,000 </a:t>
-            </a:r>
-            <a:r>
-              <a:rPr lang="en-CA" dirty="0" smtClean="0"/>
-              <a:t>households </a:t>
-            </a:r>
-            <a:r>
-              <a:rPr lang="en-CA" dirty="0" smtClean="0"/>
-              <a:t>with 0.4% response rate (400 people)</a:t>
+              <a:t>Suppose, using data mining we can identify a subset of 100,000 households with 0.4% response rate (400 people)</a:t>
             </a:r>
           </a:p>
           <a:p>
@@ -7270,11 +7224,7 @@
           <a:p>
             <a:r>
               <a:rPr lang="en-CA" dirty="0" smtClean="0"/>
-              <a:t>Example: small dataset with 120 instances, 60=yes, </a:t>
-            </a:r>
-            <a:r>
-              <a:rPr lang="en-CA" dirty="0" smtClean="0"/>
-              <a:t>60=no</a:t>
+              <a:t>Example: small dataset with 120 instances, 60=yes, 60=no</a:t>
             </a:r>
           </a:p>
           <a:p>
@@ -7286,11 +7236,7 @@
           <a:p>
             <a:r>
               <a:rPr lang="en-CA" dirty="0" smtClean="0"/>
-              <a:t>Want </a:t>
-            </a:r>
-            <a:r>
-              <a:rPr lang="en-CA" dirty="0" smtClean="0"/>
-              <a:t>to be in the upper left hand side of this lift chart (1000 respondents for 1000 mail outs) </a:t>
+              <a:t>Want to be in the upper left hand side of this lift chart (1000 respondents for 1000 mail outs) </a:t>
             </a:r>
           </a:p>
           <a:p>
@@ -8386,23 +8332,7 @@
           <a:p>
             <a:r>
               <a:rPr lang="en-CA" dirty="0" smtClean="0"/>
-              <a:t>Jagged </a:t>
-            </a:r>
-            <a:r>
-              <a:rPr lang="en-CA" dirty="0" smtClean="0"/>
-              <a:t>line plotted directly </a:t>
-            </a:r>
-            <a:r>
-              <a:rPr lang="en-CA" dirty="0" smtClean="0"/>
-              <a:t>from the table, </a:t>
-            </a:r>
-            <a:r>
-              <a:rPr lang="en-CA" dirty="0" smtClean="0"/>
-              <a:t>smooth dotted line </a:t>
-            </a:r>
-            <a:r>
-              <a:rPr lang="en-CA" dirty="0" smtClean="0"/>
-              <a:t>hypothetical average obtained by 10-fold cross-validation</a:t>
+              <a:t>Jagged line plotted directly from the table, smooth dotted line hypothetical average obtained by 10-fold cross-validation</a:t>
             </a:r>
           </a:p>
         </p:txBody>
@@ -10039,11 +9969,7 @@
           <a:p>
             <a:r>
               <a:rPr lang="en-CA" dirty="0" smtClean="0"/>
-              <a:t>The </a:t>
-            </a:r>
-            <a:r>
-              <a:rPr lang="en-CA" dirty="0" smtClean="0"/>
-              <a:t>larger the area, the better the model</a:t>
+              <a:t>The larger the area, the better the model</a:t>
             </a:r>
           </a:p>
           <a:p>
@@ -10431,8 +10357,8 @@
           </a:p>
         </p:txBody>
       </p:sp>
-      <mc:AlternateContent xmlns:mc="http://schemas.openxmlformats.org/markup-compatibility/2006">
-        <mc:Choice xmlns:a14="http://schemas.microsoft.com/office/drawing/2010/main" Requires="a14">
+      <mc:AlternateContent xmlns:mc="http://schemas.openxmlformats.org/markup-compatibility/2006" xmlns:a14="http://schemas.microsoft.com/office/drawing/2010/main">
+        <mc:Choice Requires="a14">
           <p:sp>
             <p:nvSpPr>
               <p:cNvPr id="3" name="Content Placeholder 2"/>
@@ -10799,18 +10725,14 @@
               <a:p>
                 <a:r>
                   <a:rPr lang="en-CA" dirty="0" smtClean="0"/>
-                  <a:t>Information retrieval experts plot recall-precision </a:t>
-                </a:r>
-                <a:r>
-                  <a:rPr lang="en-CA" dirty="0" smtClean="0"/>
-                  <a:t>curves, want both high precision and high recall</a:t>
+                  <a:t>Information retrieval experts plot recall-precision curves, want both high precision and high recall</a:t>
                 </a:r>
                 <a:endParaRPr lang="en-CA" dirty="0"/>
               </a:p>
             </p:txBody>
           </p:sp>
         </mc:Choice>
-        <mc:Fallback>
+        <mc:Fallback xmlns="">
           <p:sp>
             <p:nvSpPr>
               <p:cNvPr id="3" name="Content Placeholder 2"/>
@@ -11521,14 +11443,46 @@
         </p:blipFill>
         <p:spPr>
           <a:xfrm>
-            <a:off x="1412300" y="3184817"/>
-            <a:ext cx="9283410" cy="3635763"/>
+            <a:off x="1620549" y="3020291"/>
+            <a:ext cx="8253104" cy="3232253"/>
           </a:xfrm>
           <a:prstGeom prst="rect">
             <a:avLst/>
           </a:prstGeom>
         </p:spPr>
       </p:pic>
+      <p:sp>
+        <p:nvSpPr>
+          <p:cNvPr id="5" name="TextBox 4"/>
+          <p:cNvSpPr txBox="1"/>
+          <p:nvPr/>
+        </p:nvSpPr>
+        <p:spPr>
+          <a:xfrm>
+            <a:off x="263236" y="6386945"/>
+            <a:ext cx="11305309" cy="369332"/>
+          </a:xfrm>
+          <a:prstGeom prst="rect">
+            <a:avLst/>
+          </a:prstGeom>
+          <a:noFill/>
+        </p:spPr>
+        <p:txBody>
+          <a:bodyPr wrap="square" rtlCol="0">
+            <a:spAutoFit/>
+          </a:bodyPr>
+          <a:lstStyle/>
+          <a:p>
+            <a:r>
+              <a:rPr lang="en-CA" dirty="0">
+                <a:hlinkClick r:id="rId3"/>
+              </a:rPr>
+              <a:t>https://acutecaretesting.org/en/articles/precision-recall-curves-what-are-they-and-how-are-they-used</a:t>
+            </a:r>
+            <a:endParaRPr lang="en-CA" dirty="0"/>
+          </a:p>
+        </p:txBody>
+      </p:sp>
     </p:spTree>
     <p:extLst>
       <p:ext uri="{BB962C8B-B14F-4D97-AF65-F5344CB8AC3E}">
@@ -11885,13 +11839,30 @@
               <a:rPr lang="en-CA" dirty="0" smtClean="0"/>
               <a:t>Cost-sensitive learning</a:t>
             </a:r>
+          </a:p>
+          <a:p>
+            <a:r>
+              <a:rPr lang="en-CA" dirty="0" smtClean="0"/>
+              <a:t>Lift chart, ROC, recall-precision </a:t>
+            </a:r>
+            <a:r>
+              <a:rPr lang="en-CA" dirty="0" smtClean="0"/>
+              <a:t>curves</a:t>
+            </a:r>
+          </a:p>
+          <a:p>
+            <a:r>
+              <a:rPr lang="en-CA" dirty="0" smtClean="0"/>
+              <a:t>Recall-precision curves are better when classes are imbalanced</a:t>
+            </a:r>
+          </a:p>
+          <a:p>
+            <a:pPr lvl="1"/>
+            <a:r>
+              <a:rPr lang="en-CA" dirty="0" smtClean="0"/>
+              <a:t>See link below</a:t>
+            </a:r>
             <a:endParaRPr lang="en-CA" dirty="0" smtClean="0"/>
-          </a:p>
-          <a:p>
-            <a:r>
-              <a:rPr lang="en-CA" dirty="0" smtClean="0"/>
-              <a:t>Lift chart, ROC, recall-precision curves</a:t>
-            </a:r>
           </a:p>
           <a:p>
             <a:r>
@@ -11910,7 +11881,7 @@
         </p:nvSpPr>
         <p:spPr>
           <a:xfrm>
-            <a:off x="838200" y="6311900"/>
+            <a:off x="1267693" y="6311900"/>
             <a:ext cx="10072255" cy="369332"/>
           </a:xfrm>
           <a:prstGeom prst="rect">
@@ -11942,7 +11913,7 @@
         </p:nvSpPr>
         <p:spPr>
           <a:xfrm>
-            <a:off x="0" y="5942568"/>
+            <a:off x="429493" y="5942568"/>
             <a:ext cx="9296400" cy="369332"/>
           </a:xfrm>
           <a:prstGeom prst="rect">
@@ -12141,11 +12112,7 @@
           <a:p>
             <a:r>
               <a:rPr lang="en-CA" dirty="0" smtClean="0"/>
-              <a:t>5.7 Predicting </a:t>
-            </a:r>
-            <a:r>
-              <a:rPr lang="en-CA" dirty="0" smtClean="0"/>
-              <a:t>probabilities and the loss function </a:t>
+              <a:t>5.7 Predicting probabilities and the loss function </a:t>
             </a:r>
             <a:endParaRPr lang="en-CA" dirty="0"/>
           </a:p>
@@ -14214,8 +14181,8 @@
           </a:p>
         </p:txBody>
       </p:sp>
-      <mc:AlternateContent xmlns:mc="http://schemas.openxmlformats.org/markup-compatibility/2006" xmlns:a14="http://schemas.microsoft.com/office/drawing/2010/main">
-        <mc:Choice Requires="a14">
+      <mc:AlternateContent xmlns:mc="http://schemas.openxmlformats.org/markup-compatibility/2006">
+        <mc:Choice xmlns:a14="http://schemas.microsoft.com/office/drawing/2010/main" Requires="a14">
           <p:sp>
             <p:nvSpPr>
               <p:cNvPr id="18" name="TextBox 17"/>
@@ -14224,8 +14191,8 @@
             </p:nvSpPr>
             <p:spPr>
               <a:xfrm>
-                <a:off x="422569" y="964911"/>
-                <a:ext cx="5874326" cy="369332"/>
+                <a:off x="422569" y="946505"/>
+                <a:ext cx="5825831" cy="369332"/>
               </a:xfrm>
               <a:prstGeom prst="rect">
                 <a:avLst/>
@@ -14240,7 +14207,15 @@
               <a:p>
                 <a:r>
                   <a:rPr lang="en-CA" dirty="0" smtClean="0"/>
-                  <a:t>Class probabilities output by predictive model (</a:t>
+                  <a:t>Class </a:t>
+                </a:r>
+                <a:r>
+                  <a:rPr lang="en-CA" dirty="0" smtClean="0"/>
+                  <a:t>probabilities </a:t>
+                </a:r>
+                <a:r>
+                  <a:rPr lang="en-CA" dirty="0"/>
+                  <a:t>(</a:t>
                 </a:r>
                 <a14:m>
                   <m:oMath xmlns:m="http://schemas.openxmlformats.org/officeDocument/2006/math">
@@ -14337,12 +14312,28 @@
                   <a:rPr lang="en-CA" dirty="0" smtClean="0"/>
                   <a:t>)</a:t>
                 </a:r>
+                <a:r>
+                  <a:rPr lang="en-CA" dirty="0"/>
+                  <a:t> </a:t>
+                </a:r>
+                <a:r>
+                  <a:rPr lang="en-CA" dirty="0" smtClean="0"/>
+                  <a:t>output </a:t>
+                </a:r>
+                <a:r>
+                  <a:rPr lang="en-CA" dirty="0" smtClean="0"/>
+                  <a:t>by predictive </a:t>
+                </a:r>
+                <a:r>
+                  <a:rPr lang="en-CA" dirty="0" smtClean="0"/>
+                  <a:t>model</a:t>
+                </a:r>
                 <a:endParaRPr lang="en-CA" dirty="0"/>
               </a:p>
             </p:txBody>
           </p:sp>
         </mc:Choice>
-        <mc:Fallback xmlns="">
+        <mc:Fallback>
           <p:sp>
             <p:nvSpPr>
               <p:cNvPr id="18" name="TextBox 17"/>
@@ -14353,8 +14344,8 @@
             </p:nvSpPr>
             <p:spPr>
               <a:xfrm>
-                <a:off x="422569" y="964911"/>
-                <a:ext cx="5874326" cy="369332"/>
+                <a:off x="422569" y="946505"/>
+                <a:ext cx="5825831" cy="369332"/>
               </a:xfrm>
               <a:prstGeom prst="rect">
                 <a:avLst/>
@@ -14362,7 +14353,7 @@
               <a:blipFill>
                 <a:blip r:embed="rId2"/>
                 <a:stretch>
-                  <a:fillRect l="-830" t="-8197" b="-24590"/>
+                  <a:fillRect l="-837" t="-8197" b="-24590"/>
                 </a:stretch>
               </a:blipFill>
             </p:spPr>
@@ -16899,19 +16890,19 @@
                   <a:rPr lang="en-CA" dirty="0" smtClean="0">
                     <a:ea typeface="Cambria Math" panose="02040503050406030204" pitchFamily="18" charset="0"/>
                   </a:rPr>
-                  <a:t>	Then, expected value of quadratic loss function over </a:t>
+                  <a:t>	Then, expected value of quadratic loss function </a:t>
                 </a:r>
                 <a:r>
                   <a:rPr lang="en-CA" dirty="0" smtClean="0">
                     <a:ea typeface="Cambria Math" panose="02040503050406030204" pitchFamily="18" charset="0"/>
                   </a:rPr>
-                  <a:t>test instance </a:t>
+                  <a:t>over a </a:t>
                 </a:r>
                 <a:r>
                   <a:rPr lang="en-CA" dirty="0" smtClean="0">
                     <a:ea typeface="Cambria Math" panose="02040503050406030204" pitchFamily="18" charset="0"/>
                   </a:rPr>
-                  <a:t>is:</a:t>
+                  <a:t>test instance is:</a:t>
                 </a:r>
               </a:p>
               <a:p>
@@ -17870,13 +17861,7 @@
                   <a:rPr lang="en-CA" dirty="0" smtClean="0">
                     <a:ea typeface="Cambria Math" panose="02040503050406030204" pitchFamily="18" charset="0"/>
                   </a:rPr>
-                  <a:t> is a constant, </a:t>
-                </a:r>
-                <a:r>
-                  <a:rPr lang="en-CA" dirty="0" smtClean="0">
-                    <a:ea typeface="Cambria Math" panose="02040503050406030204" pitchFamily="18" charset="0"/>
-                  </a:rPr>
-                  <a:t>the expected value of </a:t>
+                  <a:t> is a constant, the expected value of </a:t>
                 </a:r>
                 <a14:m>
                   <m:oMath xmlns:m="http://schemas.openxmlformats.org/officeDocument/2006/math">
@@ -18581,8 +18566,8 @@
           </a:p>
         </p:txBody>
       </p:sp>
-      <mc:AlternateContent xmlns:mc="http://schemas.openxmlformats.org/markup-compatibility/2006">
-        <mc:Choice xmlns:a14="http://schemas.microsoft.com/office/drawing/2010/main" Requires="a14">
+      <mc:AlternateContent xmlns:mc="http://schemas.openxmlformats.org/markup-compatibility/2006" xmlns:a14="http://schemas.microsoft.com/office/drawing/2010/main">
+        <mc:Choice Requires="a14">
           <p:sp>
             <p:nvSpPr>
               <p:cNvPr id="3" name="Content Placeholder 2"/>
@@ -18931,11 +18916,7 @@
                 </a14:m>
                 <a:r>
                   <a:rPr lang="en-CA" dirty="0" smtClean="0"/>
-                  <a:t>: </a:t>
-                </a:r>
-                <a:r>
-                  <a:rPr lang="en-CA" dirty="0" smtClean="0"/>
-                  <a:t>	</a:t>
+                  <a:t>: 	</a:t>
                 </a:r>
                 <a14:m>
                   <m:oMath xmlns:m="http://schemas.openxmlformats.org/officeDocument/2006/math">
@@ -19586,7 +19567,7 @@
             </p:txBody>
           </p:sp>
         </mc:Choice>
-        <mc:Fallback>
+        <mc:Fallback xmlns="">
           <p:sp>
             <p:nvSpPr>
               <p:cNvPr id="3" name="Content Placeholder 2"/>
